--- a/zdocs/Lab_3_Control_Device_with_Device_Twins_and_Direct_Methods/resources/azure-direct-method-pattern.pptx
+++ b/zdocs/Lab_3_Control_Device_with_Device_Twins_and_Direct_Methods/resources/azure-direct-method-pattern.pptx
@@ -4744,7 +4744,7 @@
                 <a:ea typeface="Verdana" panose="020B0604030504040204" pitchFamily="34" charset="0"/>
                 <a:cs typeface="Tahoma" panose="020B0604030504040204" pitchFamily="34" charset="0"/>
               </a:rPr>
-              <a:t>4</a:t>
+              <a:t>3</a:t>
             </a:r>
           </a:p>
         </p:txBody>
@@ -4764,6 +4764,338 @@
         <p:spPr>
           <a:xfrm>
             <a:off x="1460588" y="3304673"/>
+            <a:ext cx="256674" cy="248652"/>
+          </a:xfrm>
+          <a:prstGeom prst="ellipse">
+            <a:avLst/>
+          </a:prstGeom>
+          <a:solidFill>
+            <a:schemeClr val="accent5">
+              <a:lumMod val="75000"/>
+            </a:schemeClr>
+          </a:solidFill>
+        </p:spPr>
+        <p:style>
+          <a:lnRef idx="2">
+            <a:schemeClr val="accent1">
+              <a:shade val="50000"/>
+            </a:schemeClr>
+          </a:lnRef>
+          <a:fillRef idx="1">
+            <a:schemeClr val="accent1"/>
+          </a:fillRef>
+          <a:effectRef idx="0">
+            <a:schemeClr val="accent1"/>
+          </a:effectRef>
+          <a:fontRef idx="minor">
+            <a:schemeClr val="lt1"/>
+          </a:fontRef>
+        </p:style>
+        <p:txBody>
+          <a:bodyPr rtlCol="0" anchor="ctr"/>
+          <a:lstStyle/>
+          <a:p>
+            <a:pPr algn="ctr"/>
+            <a:r>
+              <a:rPr lang="en-AU" sz="1050" dirty="0">
+                <a:solidFill>
+                  <a:schemeClr val="bg1"/>
+                </a:solidFill>
+                <a:latin typeface="Verdana" panose="020B0604030504040204" pitchFamily="34" charset="0"/>
+                <a:ea typeface="Verdana" panose="020B0604030504040204" pitchFamily="34" charset="0"/>
+                <a:cs typeface="Tahoma" panose="020B0604030504040204" pitchFamily="34" charset="0"/>
+              </a:rPr>
+              <a:t>4</a:t>
+            </a:r>
+          </a:p>
+        </p:txBody>
+      </p:sp>
+      <p:cxnSp>
+        <p:nvCxnSpPr>
+          <p:cNvPr id="16" name="Straight Arrow Connector 15">
+            <a:extLst>
+              <a:ext uri="{FF2B5EF4-FFF2-40B4-BE49-F238E27FC236}">
+                <a16:creationId xmlns:a16="http://schemas.microsoft.com/office/drawing/2014/main" id="{C535415F-6FE6-4422-97CE-16148E680290}"/>
+              </a:ext>
+            </a:extLst>
+          </p:cNvPr>
+          <p:cNvCxnSpPr>
+            <a:cxnSpLocks/>
+            <a:stCxn id="4" idx="2"/>
+            <a:endCxn id="5" idx="0"/>
+          </p:cNvCxnSpPr>
+          <p:nvPr/>
+        </p:nvCxnSpPr>
+        <p:spPr>
+          <a:xfrm>
+            <a:off x="961578" y="1884947"/>
+            <a:ext cx="1" cy="327206"/>
+          </a:xfrm>
+          <a:prstGeom prst="straightConnector1">
+            <a:avLst/>
+          </a:prstGeom>
+          <a:ln>
+            <a:tailEnd type="triangle"/>
+          </a:ln>
+        </p:spPr>
+        <p:style>
+          <a:lnRef idx="3">
+            <a:schemeClr val="accent1"/>
+          </a:lnRef>
+          <a:fillRef idx="0">
+            <a:schemeClr val="accent1"/>
+          </a:fillRef>
+          <a:effectRef idx="2">
+            <a:schemeClr val="accent1"/>
+          </a:effectRef>
+          <a:fontRef idx="minor">
+            <a:schemeClr val="tx1"/>
+          </a:fontRef>
+        </p:style>
+      </p:cxnSp>
+      <p:cxnSp>
+        <p:nvCxnSpPr>
+          <p:cNvPr id="17" name="Straight Arrow Connector 16">
+            <a:extLst>
+              <a:ext uri="{FF2B5EF4-FFF2-40B4-BE49-F238E27FC236}">
+                <a16:creationId xmlns:a16="http://schemas.microsoft.com/office/drawing/2014/main" id="{8FCB87C8-E192-4386-A58B-1581692E45C8}"/>
+              </a:ext>
+            </a:extLst>
+          </p:cNvPr>
+          <p:cNvCxnSpPr>
+            <a:cxnSpLocks/>
+            <a:stCxn id="5" idx="2"/>
+            <a:endCxn id="6" idx="0"/>
+          </p:cNvCxnSpPr>
+          <p:nvPr/>
+        </p:nvCxnSpPr>
+        <p:spPr>
+          <a:xfrm>
+            <a:off x="961579" y="2619167"/>
+            <a:ext cx="0" cy="351522"/>
+          </a:xfrm>
+          <a:prstGeom prst="straightConnector1">
+            <a:avLst/>
+          </a:prstGeom>
+          <a:ln>
+            <a:tailEnd type="triangle"/>
+          </a:ln>
+        </p:spPr>
+        <p:style>
+          <a:lnRef idx="3">
+            <a:schemeClr val="accent1"/>
+          </a:lnRef>
+          <a:fillRef idx="0">
+            <a:schemeClr val="accent1"/>
+          </a:fillRef>
+          <a:effectRef idx="2">
+            <a:schemeClr val="accent1"/>
+          </a:effectRef>
+          <a:fontRef idx="minor">
+            <a:schemeClr val="tx1"/>
+          </a:fontRef>
+        </p:style>
+      </p:cxnSp>
+      <p:sp>
+        <p:nvSpPr>
+          <p:cNvPr id="18" name="Rectangle 17">
+            <a:extLst>
+              <a:ext uri="{FF2B5EF4-FFF2-40B4-BE49-F238E27FC236}">
+                <a16:creationId xmlns:a16="http://schemas.microsoft.com/office/drawing/2014/main" id="{22867C66-D97A-403D-BF61-812C7D2A0443}"/>
+              </a:ext>
+            </a:extLst>
+          </p:cNvPr>
+          <p:cNvSpPr/>
+          <p:nvPr/>
+        </p:nvSpPr>
+        <p:spPr>
+          <a:xfrm>
+            <a:off x="2385122" y="244027"/>
+            <a:ext cx="1588551" cy="3727062"/>
+          </a:xfrm>
+          <a:prstGeom prst="rect">
+            <a:avLst/>
+          </a:prstGeom>
+          <a:solidFill>
+            <a:schemeClr val="accent5">
+              <a:lumMod val="40000"/>
+              <a:lumOff val="60000"/>
+            </a:schemeClr>
+          </a:solidFill>
+        </p:spPr>
+        <p:style>
+          <a:lnRef idx="2">
+            <a:schemeClr val="accent1">
+              <a:shade val="50000"/>
+            </a:schemeClr>
+          </a:lnRef>
+          <a:fillRef idx="1">
+            <a:schemeClr val="accent1"/>
+          </a:fillRef>
+          <a:effectRef idx="0">
+            <a:schemeClr val="accent1"/>
+          </a:effectRef>
+          <a:fontRef idx="minor">
+            <a:schemeClr val="lt1"/>
+          </a:fontRef>
+        </p:style>
+        <p:txBody>
+          <a:bodyPr rtlCol="0" anchor="t"/>
+          <a:lstStyle/>
+          <a:p>
+            <a:pPr algn="ctr"/>
+            <a:r>
+              <a:rPr lang="en-AU" sz="1100" dirty="0">
+                <a:solidFill>
+                  <a:schemeClr val="tx1"/>
+                </a:solidFill>
+                <a:latin typeface="Verdana" panose="020B0604030504040204" pitchFamily="34" charset="0"/>
+                <a:ea typeface="Verdana" panose="020B0604030504040204" pitchFamily="34" charset="0"/>
+                <a:cs typeface="Tahoma" panose="020B0604030504040204" pitchFamily="34" charset="0"/>
+              </a:rPr>
+              <a:t>Azure IoT Central properties (Device Twins)</a:t>
+            </a:r>
+          </a:p>
+        </p:txBody>
+      </p:sp>
+      <p:sp>
+        <p:nvSpPr>
+          <p:cNvPr id="20" name="Oval 19">
+            <a:extLst>
+              <a:ext uri="{FF2B5EF4-FFF2-40B4-BE49-F238E27FC236}">
+                <a16:creationId xmlns:a16="http://schemas.microsoft.com/office/drawing/2014/main" id="{483D496E-2F56-4292-90FE-EFDF06F3CA94}"/>
+              </a:ext>
+            </a:extLst>
+          </p:cNvPr>
+          <p:cNvSpPr/>
+          <p:nvPr/>
+        </p:nvSpPr>
+        <p:spPr>
+          <a:xfrm>
+            <a:off x="1465774" y="1749325"/>
+            <a:ext cx="256674" cy="248652"/>
+          </a:xfrm>
+          <a:prstGeom prst="ellipse">
+            <a:avLst/>
+          </a:prstGeom>
+          <a:solidFill>
+            <a:schemeClr val="accent5">
+              <a:lumMod val="75000"/>
+            </a:schemeClr>
+          </a:solidFill>
+        </p:spPr>
+        <p:style>
+          <a:lnRef idx="2">
+            <a:schemeClr val="accent1">
+              <a:shade val="50000"/>
+            </a:schemeClr>
+          </a:lnRef>
+          <a:fillRef idx="1">
+            <a:schemeClr val="accent1"/>
+          </a:fillRef>
+          <a:effectRef idx="0">
+            <a:schemeClr val="accent1"/>
+          </a:effectRef>
+          <a:fontRef idx="minor">
+            <a:schemeClr val="lt1"/>
+          </a:fontRef>
+        </p:style>
+        <p:txBody>
+          <a:bodyPr rtlCol="0" anchor="ctr"/>
+          <a:lstStyle/>
+          <a:p>
+            <a:pPr algn="ctr"/>
+            <a:r>
+              <a:rPr lang="en-AU" sz="1050" dirty="0">
+                <a:solidFill>
+                  <a:schemeClr val="bg1"/>
+                </a:solidFill>
+                <a:latin typeface="Verdana" panose="020B0604030504040204" pitchFamily="34" charset="0"/>
+                <a:ea typeface="Verdana" panose="020B0604030504040204" pitchFamily="34" charset="0"/>
+                <a:cs typeface="Tahoma" panose="020B0604030504040204" pitchFamily="34" charset="0"/>
+              </a:rPr>
+              <a:t>2</a:t>
+            </a:r>
+          </a:p>
+        </p:txBody>
+      </p:sp>
+      <p:sp>
+        <p:nvSpPr>
+          <p:cNvPr id="28" name="Rectangle 27">
+            <a:extLst>
+              <a:ext uri="{FF2B5EF4-FFF2-40B4-BE49-F238E27FC236}">
+                <a16:creationId xmlns:a16="http://schemas.microsoft.com/office/drawing/2014/main" id="{82682FDA-653E-4F05-A88B-E388E7E2F4BD}"/>
+              </a:ext>
+            </a:extLst>
+          </p:cNvPr>
+          <p:cNvSpPr/>
+          <p:nvPr/>
+        </p:nvSpPr>
+        <p:spPr>
+          <a:xfrm>
+            <a:off x="4832740" y="2970688"/>
+            <a:ext cx="1131634" cy="458311"/>
+          </a:xfrm>
+          <a:prstGeom prst="rect">
+            <a:avLst/>
+          </a:prstGeom>
+          <a:solidFill>
+            <a:schemeClr val="accent6">
+              <a:lumMod val="60000"/>
+              <a:lumOff val="40000"/>
+            </a:schemeClr>
+          </a:solidFill>
+        </p:spPr>
+        <p:style>
+          <a:lnRef idx="2">
+            <a:schemeClr val="accent1">
+              <a:shade val="50000"/>
+            </a:schemeClr>
+          </a:lnRef>
+          <a:fillRef idx="1">
+            <a:schemeClr val="accent1"/>
+          </a:fillRef>
+          <a:effectRef idx="0">
+            <a:schemeClr val="accent1"/>
+          </a:effectRef>
+          <a:fontRef idx="minor">
+            <a:schemeClr val="lt1"/>
+          </a:fontRef>
+        </p:style>
+        <p:txBody>
+          <a:bodyPr rtlCol="0" anchor="ctr"/>
+          <a:lstStyle/>
+          <a:p>
+            <a:pPr algn="ctr"/>
+            <a:r>
+              <a:rPr lang="en-AU" sz="1050" dirty="0">
+                <a:solidFill>
+                  <a:schemeClr val="tx1"/>
+                </a:solidFill>
+                <a:latin typeface="Verdana" panose="020B0604030504040204" pitchFamily="34" charset="0"/>
+                <a:ea typeface="Verdana" panose="020B0604030504040204" pitchFamily="34" charset="0"/>
+                <a:cs typeface="Tahoma" panose="020B0604030504040204" pitchFamily="34" charset="0"/>
+              </a:rPr>
+              <a:t>Get twin or query</a:t>
+            </a:r>
+          </a:p>
+        </p:txBody>
+      </p:sp>
+      <p:sp>
+        <p:nvSpPr>
+          <p:cNvPr id="9" name="Oval 8">
+            <a:extLst>
+              <a:ext uri="{FF2B5EF4-FFF2-40B4-BE49-F238E27FC236}">
+                <a16:creationId xmlns:a16="http://schemas.microsoft.com/office/drawing/2014/main" id="{882CB9C6-05FB-4C1D-8896-4055D36B7CAF}"/>
+              </a:ext>
+            </a:extLst>
+          </p:cNvPr>
+          <p:cNvSpPr/>
+          <p:nvPr/>
+        </p:nvSpPr>
+        <p:spPr>
+          <a:xfrm>
+            <a:off x="5836037" y="3279365"/>
             <a:ext cx="256674" cy="248652"/>
           </a:xfrm>
           <a:prstGeom prst="ellipse">
@@ -4806,338 +5138,6 @@
                 <a:cs typeface="Tahoma" panose="020B0604030504040204" pitchFamily="34" charset="0"/>
               </a:rPr>
               <a:t>5</a:t>
-            </a:r>
-          </a:p>
-        </p:txBody>
-      </p:sp>
-      <p:cxnSp>
-        <p:nvCxnSpPr>
-          <p:cNvPr id="16" name="Straight Arrow Connector 15">
-            <a:extLst>
-              <a:ext uri="{FF2B5EF4-FFF2-40B4-BE49-F238E27FC236}">
-                <a16:creationId xmlns:a16="http://schemas.microsoft.com/office/drawing/2014/main" id="{C535415F-6FE6-4422-97CE-16148E680290}"/>
-              </a:ext>
-            </a:extLst>
-          </p:cNvPr>
-          <p:cNvCxnSpPr>
-            <a:cxnSpLocks/>
-            <a:stCxn id="4" idx="2"/>
-            <a:endCxn id="5" idx="0"/>
-          </p:cNvCxnSpPr>
-          <p:nvPr/>
-        </p:nvCxnSpPr>
-        <p:spPr>
-          <a:xfrm>
-            <a:off x="961578" y="1884947"/>
-            <a:ext cx="1" cy="327206"/>
-          </a:xfrm>
-          <a:prstGeom prst="straightConnector1">
-            <a:avLst/>
-          </a:prstGeom>
-          <a:ln>
-            <a:tailEnd type="triangle"/>
-          </a:ln>
-        </p:spPr>
-        <p:style>
-          <a:lnRef idx="3">
-            <a:schemeClr val="accent1"/>
-          </a:lnRef>
-          <a:fillRef idx="0">
-            <a:schemeClr val="accent1"/>
-          </a:fillRef>
-          <a:effectRef idx="2">
-            <a:schemeClr val="accent1"/>
-          </a:effectRef>
-          <a:fontRef idx="minor">
-            <a:schemeClr val="tx1"/>
-          </a:fontRef>
-        </p:style>
-      </p:cxnSp>
-      <p:cxnSp>
-        <p:nvCxnSpPr>
-          <p:cNvPr id="17" name="Straight Arrow Connector 16">
-            <a:extLst>
-              <a:ext uri="{FF2B5EF4-FFF2-40B4-BE49-F238E27FC236}">
-                <a16:creationId xmlns:a16="http://schemas.microsoft.com/office/drawing/2014/main" id="{8FCB87C8-E192-4386-A58B-1581692E45C8}"/>
-              </a:ext>
-            </a:extLst>
-          </p:cNvPr>
-          <p:cNvCxnSpPr>
-            <a:cxnSpLocks/>
-            <a:stCxn id="5" idx="2"/>
-            <a:endCxn id="6" idx="0"/>
-          </p:cNvCxnSpPr>
-          <p:nvPr/>
-        </p:nvCxnSpPr>
-        <p:spPr>
-          <a:xfrm>
-            <a:off x="961579" y="2619167"/>
-            <a:ext cx="0" cy="351522"/>
-          </a:xfrm>
-          <a:prstGeom prst="straightConnector1">
-            <a:avLst/>
-          </a:prstGeom>
-          <a:ln>
-            <a:tailEnd type="triangle"/>
-          </a:ln>
-        </p:spPr>
-        <p:style>
-          <a:lnRef idx="3">
-            <a:schemeClr val="accent1"/>
-          </a:lnRef>
-          <a:fillRef idx="0">
-            <a:schemeClr val="accent1"/>
-          </a:fillRef>
-          <a:effectRef idx="2">
-            <a:schemeClr val="accent1"/>
-          </a:effectRef>
-          <a:fontRef idx="minor">
-            <a:schemeClr val="tx1"/>
-          </a:fontRef>
-        </p:style>
-      </p:cxnSp>
-      <p:sp>
-        <p:nvSpPr>
-          <p:cNvPr id="18" name="Rectangle 17">
-            <a:extLst>
-              <a:ext uri="{FF2B5EF4-FFF2-40B4-BE49-F238E27FC236}">
-                <a16:creationId xmlns:a16="http://schemas.microsoft.com/office/drawing/2014/main" id="{22867C66-D97A-403D-BF61-812C7D2A0443}"/>
-              </a:ext>
-            </a:extLst>
-          </p:cNvPr>
-          <p:cNvSpPr/>
-          <p:nvPr/>
-        </p:nvSpPr>
-        <p:spPr>
-          <a:xfrm>
-            <a:off x="2385122" y="244027"/>
-            <a:ext cx="1588551" cy="3727062"/>
-          </a:xfrm>
-          <a:prstGeom prst="rect">
-            <a:avLst/>
-          </a:prstGeom>
-          <a:solidFill>
-            <a:schemeClr val="accent5">
-              <a:lumMod val="40000"/>
-              <a:lumOff val="60000"/>
-            </a:schemeClr>
-          </a:solidFill>
-        </p:spPr>
-        <p:style>
-          <a:lnRef idx="2">
-            <a:schemeClr val="accent1">
-              <a:shade val="50000"/>
-            </a:schemeClr>
-          </a:lnRef>
-          <a:fillRef idx="1">
-            <a:schemeClr val="accent1"/>
-          </a:fillRef>
-          <a:effectRef idx="0">
-            <a:schemeClr val="accent1"/>
-          </a:effectRef>
-          <a:fontRef idx="minor">
-            <a:schemeClr val="lt1"/>
-          </a:fontRef>
-        </p:style>
-        <p:txBody>
-          <a:bodyPr rtlCol="0" anchor="t"/>
-          <a:lstStyle/>
-          <a:p>
-            <a:pPr algn="ctr"/>
-            <a:r>
-              <a:rPr lang="en-AU" sz="1100" dirty="0">
-                <a:solidFill>
-                  <a:schemeClr val="tx1"/>
-                </a:solidFill>
-                <a:latin typeface="Verdana" panose="020B0604030504040204" pitchFamily="34" charset="0"/>
-                <a:ea typeface="Verdana" panose="020B0604030504040204" pitchFamily="34" charset="0"/>
-                <a:cs typeface="Tahoma" panose="020B0604030504040204" pitchFamily="34" charset="0"/>
-              </a:rPr>
-              <a:t>Azure IoT Central properties (Device Twins)</a:t>
-            </a:r>
-          </a:p>
-        </p:txBody>
-      </p:sp>
-      <p:sp>
-        <p:nvSpPr>
-          <p:cNvPr id="20" name="Oval 19">
-            <a:extLst>
-              <a:ext uri="{FF2B5EF4-FFF2-40B4-BE49-F238E27FC236}">
-                <a16:creationId xmlns:a16="http://schemas.microsoft.com/office/drawing/2014/main" id="{483D496E-2F56-4292-90FE-EFDF06F3CA94}"/>
-              </a:ext>
-            </a:extLst>
-          </p:cNvPr>
-          <p:cNvSpPr/>
-          <p:nvPr/>
-        </p:nvSpPr>
-        <p:spPr>
-          <a:xfrm>
-            <a:off x="1465774" y="1749325"/>
-            <a:ext cx="256674" cy="248652"/>
-          </a:xfrm>
-          <a:prstGeom prst="ellipse">
-            <a:avLst/>
-          </a:prstGeom>
-          <a:solidFill>
-            <a:schemeClr val="accent5">
-              <a:lumMod val="75000"/>
-            </a:schemeClr>
-          </a:solidFill>
-        </p:spPr>
-        <p:style>
-          <a:lnRef idx="2">
-            <a:schemeClr val="accent1">
-              <a:shade val="50000"/>
-            </a:schemeClr>
-          </a:lnRef>
-          <a:fillRef idx="1">
-            <a:schemeClr val="accent1"/>
-          </a:fillRef>
-          <a:effectRef idx="0">
-            <a:schemeClr val="accent1"/>
-          </a:effectRef>
-          <a:fontRef idx="minor">
-            <a:schemeClr val="lt1"/>
-          </a:fontRef>
-        </p:style>
-        <p:txBody>
-          <a:bodyPr rtlCol="0" anchor="ctr"/>
-          <a:lstStyle/>
-          <a:p>
-            <a:pPr algn="ctr"/>
-            <a:r>
-              <a:rPr lang="en-AU" sz="1050" dirty="0">
-                <a:solidFill>
-                  <a:schemeClr val="bg1"/>
-                </a:solidFill>
-                <a:latin typeface="Verdana" panose="020B0604030504040204" pitchFamily="34" charset="0"/>
-                <a:ea typeface="Verdana" panose="020B0604030504040204" pitchFamily="34" charset="0"/>
-                <a:cs typeface="Tahoma" panose="020B0604030504040204" pitchFamily="34" charset="0"/>
-              </a:rPr>
-              <a:t>3</a:t>
-            </a:r>
-          </a:p>
-        </p:txBody>
-      </p:sp>
-      <p:sp>
-        <p:nvSpPr>
-          <p:cNvPr id="28" name="Rectangle 27">
-            <a:extLst>
-              <a:ext uri="{FF2B5EF4-FFF2-40B4-BE49-F238E27FC236}">
-                <a16:creationId xmlns:a16="http://schemas.microsoft.com/office/drawing/2014/main" id="{82682FDA-653E-4F05-A88B-E388E7E2F4BD}"/>
-              </a:ext>
-            </a:extLst>
-          </p:cNvPr>
-          <p:cNvSpPr/>
-          <p:nvPr/>
-        </p:nvSpPr>
-        <p:spPr>
-          <a:xfrm>
-            <a:off x="4832740" y="2970688"/>
-            <a:ext cx="1131634" cy="458311"/>
-          </a:xfrm>
-          <a:prstGeom prst="rect">
-            <a:avLst/>
-          </a:prstGeom>
-          <a:solidFill>
-            <a:schemeClr val="accent6">
-              <a:lumMod val="60000"/>
-              <a:lumOff val="40000"/>
-            </a:schemeClr>
-          </a:solidFill>
-        </p:spPr>
-        <p:style>
-          <a:lnRef idx="2">
-            <a:schemeClr val="accent1">
-              <a:shade val="50000"/>
-            </a:schemeClr>
-          </a:lnRef>
-          <a:fillRef idx="1">
-            <a:schemeClr val="accent1"/>
-          </a:fillRef>
-          <a:effectRef idx="0">
-            <a:schemeClr val="accent1"/>
-          </a:effectRef>
-          <a:fontRef idx="minor">
-            <a:schemeClr val="lt1"/>
-          </a:fontRef>
-        </p:style>
-        <p:txBody>
-          <a:bodyPr rtlCol="0" anchor="ctr"/>
-          <a:lstStyle/>
-          <a:p>
-            <a:pPr algn="ctr"/>
-            <a:r>
-              <a:rPr lang="en-AU" sz="1050" dirty="0">
-                <a:solidFill>
-                  <a:schemeClr val="tx1"/>
-                </a:solidFill>
-                <a:latin typeface="Verdana" panose="020B0604030504040204" pitchFamily="34" charset="0"/>
-                <a:ea typeface="Verdana" panose="020B0604030504040204" pitchFamily="34" charset="0"/>
-                <a:cs typeface="Tahoma" panose="020B0604030504040204" pitchFamily="34" charset="0"/>
-              </a:rPr>
-              <a:t>Get twin or query</a:t>
-            </a:r>
-          </a:p>
-        </p:txBody>
-      </p:sp>
-      <p:sp>
-        <p:nvSpPr>
-          <p:cNvPr id="9" name="Oval 8">
-            <a:extLst>
-              <a:ext uri="{FF2B5EF4-FFF2-40B4-BE49-F238E27FC236}">
-                <a16:creationId xmlns:a16="http://schemas.microsoft.com/office/drawing/2014/main" id="{882CB9C6-05FB-4C1D-8896-4055D36B7CAF}"/>
-              </a:ext>
-            </a:extLst>
-          </p:cNvPr>
-          <p:cNvSpPr/>
-          <p:nvPr/>
-        </p:nvSpPr>
-        <p:spPr>
-          <a:xfrm>
-            <a:off x="5836037" y="3279365"/>
-            <a:ext cx="256674" cy="248652"/>
-          </a:xfrm>
-          <a:prstGeom prst="ellipse">
-            <a:avLst/>
-          </a:prstGeom>
-          <a:solidFill>
-            <a:schemeClr val="accent5">
-              <a:lumMod val="75000"/>
-            </a:schemeClr>
-          </a:solidFill>
-        </p:spPr>
-        <p:style>
-          <a:lnRef idx="2">
-            <a:schemeClr val="accent1">
-              <a:shade val="50000"/>
-            </a:schemeClr>
-          </a:lnRef>
-          <a:fillRef idx="1">
-            <a:schemeClr val="accent1"/>
-          </a:fillRef>
-          <a:effectRef idx="0">
-            <a:schemeClr val="accent1"/>
-          </a:effectRef>
-          <a:fontRef idx="minor">
-            <a:schemeClr val="lt1"/>
-          </a:fontRef>
-        </p:style>
-        <p:txBody>
-          <a:bodyPr rtlCol="0" anchor="ctr"/>
-          <a:lstStyle/>
-          <a:p>
-            <a:pPr algn="ctr"/>
-            <a:r>
-              <a:rPr lang="en-AU" sz="1050" dirty="0">
-                <a:solidFill>
-                  <a:schemeClr val="bg1"/>
-                </a:solidFill>
-                <a:latin typeface="Verdana" panose="020B0604030504040204" pitchFamily="34" charset="0"/>
-                <a:ea typeface="Verdana" panose="020B0604030504040204" pitchFamily="34" charset="0"/>
-                <a:cs typeface="Tahoma" panose="020B0604030504040204" pitchFamily="34" charset="0"/>
-              </a:rPr>
-              <a:t>2</a:t>
             </a:r>
           </a:p>
         </p:txBody>

--- a/zdocs/Lab_3_Control_Device_with_Device_Twins_and_Direct_Methods/resources/azure-direct-method-pattern.pptx
+++ b/zdocs/Lab_3_Control_Device_with_Device_Twins_and_Direct_Methods/resources/azure-direct-method-pattern.pptx
@@ -7,6 +7,7 @@
   <p:sldIdLst>
     <p:sldId id="256" r:id="rId2"/>
     <p:sldId id="257" r:id="rId3"/>
+    <p:sldId id="259" r:id="rId4"/>
   </p:sldIdLst>
   <p:sldSz cx="12192000" cy="6858000"/>
   <p:notesSz cx="6858000" cy="9144000"/>
@@ -5548,6 +5549,1282 @@
 </p:sld>
 </file>
 
+<file path=ppt/slides/slide3.xml><?xml version="1.0" encoding="utf-8"?>
+<p:sld xmlns:a="http://schemas.openxmlformats.org/drawingml/2006/main" xmlns:r="http://schemas.openxmlformats.org/officeDocument/2006/relationships" xmlns:p="http://schemas.openxmlformats.org/presentationml/2006/main">
+  <p:cSld>
+    <p:spTree>
+      <p:nvGrpSpPr>
+        <p:cNvPr id="1" name=""/>
+        <p:cNvGrpSpPr/>
+        <p:nvPr/>
+      </p:nvGrpSpPr>
+      <p:grpSpPr>
+        <a:xfrm>
+          <a:off x="0" y="0"/>
+          <a:ext cx="0" cy="0"/>
+          <a:chOff x="0" y="0"/>
+          <a:chExt cx="0" cy="0"/>
+        </a:xfrm>
+      </p:grpSpPr>
+      <p:sp>
+        <p:nvSpPr>
+          <p:cNvPr id="2" name="Rectangle 1">
+            <a:extLst>
+              <a:ext uri="{FF2B5EF4-FFF2-40B4-BE49-F238E27FC236}">
+                <a16:creationId xmlns:a16="http://schemas.microsoft.com/office/drawing/2014/main" id="{F81FBEA4-2DE0-49DD-AD89-FD4757626916}"/>
+              </a:ext>
+            </a:extLst>
+          </p:cNvPr>
+          <p:cNvSpPr/>
+          <p:nvPr/>
+        </p:nvSpPr>
+        <p:spPr>
+          <a:xfrm>
+            <a:off x="170159" y="268092"/>
+            <a:ext cx="1794999" cy="3830666"/>
+          </a:xfrm>
+          <a:prstGeom prst="rect">
+            <a:avLst/>
+          </a:prstGeom>
+          <a:solidFill>
+            <a:schemeClr val="accent6">
+              <a:lumMod val="20000"/>
+              <a:lumOff val="80000"/>
+            </a:schemeClr>
+          </a:solidFill>
+        </p:spPr>
+        <p:style>
+          <a:lnRef idx="2">
+            <a:schemeClr val="accent1">
+              <a:shade val="50000"/>
+            </a:schemeClr>
+          </a:lnRef>
+          <a:fillRef idx="1">
+            <a:schemeClr val="accent1"/>
+          </a:fillRef>
+          <a:effectRef idx="0">
+            <a:schemeClr val="accent1"/>
+          </a:effectRef>
+          <a:fontRef idx="minor">
+            <a:schemeClr val="lt1"/>
+          </a:fontRef>
+        </p:style>
+        <p:txBody>
+          <a:bodyPr rtlCol="0" anchor="t"/>
+          <a:lstStyle/>
+          <a:p>
+            <a:pPr algn="ctr"/>
+            <a:r>
+              <a:rPr lang="en-AU" sz="1050" dirty="0">
+                <a:solidFill>
+                  <a:schemeClr val="tx1"/>
+                </a:solidFill>
+                <a:latin typeface="Verdana" panose="020B0604030504040204" pitchFamily="34" charset="0"/>
+                <a:ea typeface="Verdana" panose="020B0604030504040204" pitchFamily="34" charset="0"/>
+                <a:cs typeface="Tahoma" panose="020B0604030504040204" pitchFamily="34" charset="0"/>
+              </a:rPr>
+              <a:t>Azure Sphere</a:t>
+            </a:r>
+          </a:p>
+        </p:txBody>
+      </p:sp>
+      <p:sp>
+        <p:nvSpPr>
+          <p:cNvPr id="3" name="Rectangle 2">
+            <a:extLst>
+              <a:ext uri="{FF2B5EF4-FFF2-40B4-BE49-F238E27FC236}">
+                <a16:creationId xmlns:a16="http://schemas.microsoft.com/office/drawing/2014/main" id="{818549F7-F806-4DE5-A114-C4C8A19E3D09}"/>
+              </a:ext>
+            </a:extLst>
+          </p:cNvPr>
+          <p:cNvSpPr/>
+          <p:nvPr/>
+        </p:nvSpPr>
+        <p:spPr>
+          <a:xfrm>
+            <a:off x="4428667" y="268091"/>
+            <a:ext cx="1794999" cy="3830666"/>
+          </a:xfrm>
+          <a:prstGeom prst="rect">
+            <a:avLst/>
+          </a:prstGeom>
+          <a:solidFill>
+            <a:schemeClr val="accent6">
+              <a:lumMod val="20000"/>
+              <a:lumOff val="80000"/>
+            </a:schemeClr>
+          </a:solidFill>
+        </p:spPr>
+        <p:style>
+          <a:lnRef idx="2">
+            <a:schemeClr val="accent1">
+              <a:shade val="50000"/>
+            </a:schemeClr>
+          </a:lnRef>
+          <a:fillRef idx="1">
+            <a:schemeClr val="accent1"/>
+          </a:fillRef>
+          <a:effectRef idx="0">
+            <a:schemeClr val="accent1"/>
+          </a:effectRef>
+          <a:fontRef idx="minor">
+            <a:schemeClr val="lt1"/>
+          </a:fontRef>
+        </p:style>
+        <p:txBody>
+          <a:bodyPr rtlCol="0" anchor="t"/>
+          <a:lstStyle/>
+          <a:p>
+            <a:pPr algn="ctr"/>
+            <a:r>
+              <a:rPr lang="en-AU" sz="1050" dirty="0">
+                <a:solidFill>
+                  <a:schemeClr val="tx1"/>
+                </a:solidFill>
+                <a:latin typeface="Verdana" panose="020B0604030504040204" pitchFamily="34" charset="0"/>
+                <a:ea typeface="Verdana" panose="020B0604030504040204" pitchFamily="34" charset="0"/>
+                <a:cs typeface="Tahoma" panose="020B0604030504040204" pitchFamily="34" charset="0"/>
+              </a:rPr>
+              <a:t>Azure IoT Central </a:t>
+            </a:r>
+          </a:p>
+          <a:p>
+            <a:pPr algn="ctr"/>
+            <a:r>
+              <a:rPr lang="en-AU" sz="1050" dirty="0">
+                <a:solidFill>
+                  <a:schemeClr val="tx1"/>
+                </a:solidFill>
+                <a:latin typeface="Verdana" panose="020B0604030504040204" pitchFamily="34" charset="0"/>
+                <a:ea typeface="Verdana" panose="020B0604030504040204" pitchFamily="34" charset="0"/>
+                <a:cs typeface="Tahoma" panose="020B0604030504040204" pitchFamily="34" charset="0"/>
+              </a:rPr>
+              <a:t>or back end application</a:t>
+            </a:r>
+          </a:p>
+        </p:txBody>
+      </p:sp>
+      <p:sp>
+        <p:nvSpPr>
+          <p:cNvPr id="4" name="Rectangle 3">
+            <a:extLst>
+              <a:ext uri="{FF2B5EF4-FFF2-40B4-BE49-F238E27FC236}">
+                <a16:creationId xmlns:a16="http://schemas.microsoft.com/office/drawing/2014/main" id="{E7638390-3C1E-4225-944A-D3E214F40D91}"/>
+              </a:ext>
+            </a:extLst>
+          </p:cNvPr>
+          <p:cNvSpPr/>
+          <p:nvPr/>
+        </p:nvSpPr>
+        <p:spPr>
+          <a:xfrm>
+            <a:off x="315258" y="923423"/>
+            <a:ext cx="1504799" cy="701576"/>
+          </a:xfrm>
+          <a:prstGeom prst="rect">
+            <a:avLst/>
+          </a:prstGeom>
+          <a:solidFill>
+            <a:schemeClr val="accent6">
+              <a:lumMod val="60000"/>
+              <a:lumOff val="40000"/>
+            </a:schemeClr>
+          </a:solidFill>
+        </p:spPr>
+        <p:style>
+          <a:lnRef idx="2">
+            <a:schemeClr val="accent1">
+              <a:shade val="50000"/>
+            </a:schemeClr>
+          </a:lnRef>
+          <a:fillRef idx="1">
+            <a:schemeClr val="accent1"/>
+          </a:fillRef>
+          <a:effectRef idx="0">
+            <a:schemeClr val="accent1"/>
+          </a:effectRef>
+          <a:fontRef idx="minor">
+            <a:schemeClr val="lt1"/>
+          </a:fontRef>
+        </p:style>
+        <p:txBody>
+          <a:bodyPr rtlCol="0" anchor="ctr"/>
+          <a:lstStyle/>
+          <a:p>
+            <a:pPr algn="ctr"/>
+            <a:r>
+              <a:rPr lang="en-AU" sz="1050" dirty="0" err="1">
+                <a:solidFill>
+                  <a:schemeClr val="tx1"/>
+                </a:solidFill>
+                <a:latin typeface="Verdana" panose="020B0604030504040204" pitchFamily="34" charset="0"/>
+                <a:ea typeface="Verdana" panose="020B0604030504040204" pitchFamily="34" charset="0"/>
+                <a:cs typeface="Tahoma" panose="020B0604030504040204" pitchFamily="34" charset="0"/>
+              </a:rPr>
+              <a:t>ResetDirectMethod</a:t>
+            </a:r>
+            <a:r>
+              <a:rPr lang="en-AU" sz="1050" dirty="0">
+                <a:solidFill>
+                  <a:schemeClr val="tx1"/>
+                </a:solidFill>
+                <a:latin typeface="Verdana" panose="020B0604030504040204" pitchFamily="34" charset="0"/>
+                <a:ea typeface="Verdana" panose="020B0604030504040204" pitchFamily="34" charset="0"/>
+                <a:cs typeface="Tahoma" panose="020B0604030504040204" pitchFamily="34" charset="0"/>
+              </a:rPr>
+              <a:t> handler function</a:t>
+            </a:r>
+          </a:p>
+        </p:txBody>
+      </p:sp>
+      <p:sp>
+        <p:nvSpPr>
+          <p:cNvPr id="7" name="Rectangle 6">
+            <a:extLst>
+              <a:ext uri="{FF2B5EF4-FFF2-40B4-BE49-F238E27FC236}">
+                <a16:creationId xmlns:a16="http://schemas.microsoft.com/office/drawing/2014/main" id="{2BF31974-09AE-4B97-91DB-DA4918665579}"/>
+              </a:ext>
+            </a:extLst>
+          </p:cNvPr>
+          <p:cNvSpPr/>
+          <p:nvPr/>
+        </p:nvSpPr>
+        <p:spPr>
+          <a:xfrm>
+            <a:off x="4558351" y="923423"/>
+            <a:ext cx="1504799" cy="701576"/>
+          </a:xfrm>
+          <a:prstGeom prst="rect">
+            <a:avLst/>
+          </a:prstGeom>
+          <a:solidFill>
+            <a:schemeClr val="accent6">
+              <a:lumMod val="60000"/>
+              <a:lumOff val="40000"/>
+            </a:schemeClr>
+          </a:solidFill>
+        </p:spPr>
+        <p:style>
+          <a:lnRef idx="2">
+            <a:schemeClr val="accent1">
+              <a:shade val="50000"/>
+            </a:schemeClr>
+          </a:lnRef>
+          <a:fillRef idx="1">
+            <a:schemeClr val="accent1"/>
+          </a:fillRef>
+          <a:effectRef idx="0">
+            <a:schemeClr val="accent1"/>
+          </a:effectRef>
+          <a:fontRef idx="minor">
+            <a:schemeClr val="lt1"/>
+          </a:fontRef>
+        </p:style>
+        <p:txBody>
+          <a:bodyPr rtlCol="0" anchor="ctr"/>
+          <a:lstStyle/>
+          <a:p>
+            <a:pPr algn="ctr"/>
+            <a:r>
+              <a:rPr lang="en-AU" sz="1050" dirty="0">
+                <a:solidFill>
+                  <a:schemeClr val="tx1"/>
+                </a:solidFill>
+                <a:latin typeface="Verdana" panose="020B0604030504040204" pitchFamily="34" charset="0"/>
+                <a:ea typeface="Verdana" panose="020B0604030504040204" pitchFamily="34" charset="0"/>
+                <a:cs typeface="Tahoma" panose="020B0604030504040204" pitchFamily="34" charset="0"/>
+              </a:rPr>
+              <a:t>Invoke Reset Method</a:t>
+            </a:r>
+          </a:p>
+        </p:txBody>
+      </p:sp>
+      <p:sp>
+        <p:nvSpPr>
+          <p:cNvPr id="8" name="Oval 7">
+            <a:extLst>
+              <a:ext uri="{FF2B5EF4-FFF2-40B4-BE49-F238E27FC236}">
+                <a16:creationId xmlns:a16="http://schemas.microsoft.com/office/drawing/2014/main" id="{BB80B4A7-6A60-4A66-97CD-444734B2BE1E}"/>
+              </a:ext>
+            </a:extLst>
+          </p:cNvPr>
+          <p:cNvSpPr/>
+          <p:nvPr/>
+        </p:nvSpPr>
+        <p:spPr>
+          <a:xfrm>
+            <a:off x="5934813" y="1491530"/>
+            <a:ext cx="256674" cy="248652"/>
+          </a:xfrm>
+          <a:prstGeom prst="ellipse">
+            <a:avLst/>
+          </a:prstGeom>
+          <a:solidFill>
+            <a:schemeClr val="accent5">
+              <a:lumMod val="75000"/>
+            </a:schemeClr>
+          </a:solidFill>
+        </p:spPr>
+        <p:style>
+          <a:lnRef idx="2">
+            <a:schemeClr val="accent1">
+              <a:shade val="50000"/>
+            </a:schemeClr>
+          </a:lnRef>
+          <a:fillRef idx="1">
+            <a:schemeClr val="accent1"/>
+          </a:fillRef>
+          <a:effectRef idx="0">
+            <a:schemeClr val="accent1"/>
+          </a:effectRef>
+          <a:fontRef idx="minor">
+            <a:schemeClr val="lt1"/>
+          </a:fontRef>
+        </p:style>
+        <p:txBody>
+          <a:bodyPr rtlCol="0" anchor="ctr"/>
+          <a:lstStyle/>
+          <a:p>
+            <a:pPr algn="ctr"/>
+            <a:r>
+              <a:rPr lang="en-AU" sz="1050" dirty="0">
+                <a:solidFill>
+                  <a:schemeClr val="bg1"/>
+                </a:solidFill>
+                <a:latin typeface="Verdana" panose="020B0604030504040204" pitchFamily="34" charset="0"/>
+                <a:ea typeface="Verdana" panose="020B0604030504040204" pitchFamily="34" charset="0"/>
+                <a:cs typeface="Tahoma" panose="020B0604030504040204" pitchFamily="34" charset="0"/>
+              </a:rPr>
+              <a:t>1</a:t>
+            </a:r>
+          </a:p>
+        </p:txBody>
+      </p:sp>
+      <p:sp>
+        <p:nvSpPr>
+          <p:cNvPr id="10" name="Oval 9">
+            <a:extLst>
+              <a:ext uri="{FF2B5EF4-FFF2-40B4-BE49-F238E27FC236}">
+                <a16:creationId xmlns:a16="http://schemas.microsoft.com/office/drawing/2014/main" id="{BE5C3C87-F68A-416B-9CD9-8315EB601DD6}"/>
+              </a:ext>
+            </a:extLst>
+          </p:cNvPr>
+          <p:cNvSpPr/>
+          <p:nvPr/>
+        </p:nvSpPr>
+        <p:spPr>
+          <a:xfrm>
+            <a:off x="1460954" y="2494841"/>
+            <a:ext cx="256674" cy="248652"/>
+          </a:xfrm>
+          <a:prstGeom prst="ellipse">
+            <a:avLst/>
+          </a:prstGeom>
+          <a:solidFill>
+            <a:schemeClr val="accent5">
+              <a:lumMod val="75000"/>
+            </a:schemeClr>
+          </a:solidFill>
+        </p:spPr>
+        <p:style>
+          <a:lnRef idx="2">
+            <a:schemeClr val="accent1">
+              <a:shade val="50000"/>
+            </a:schemeClr>
+          </a:lnRef>
+          <a:fillRef idx="1">
+            <a:schemeClr val="accent1"/>
+          </a:fillRef>
+          <a:effectRef idx="0">
+            <a:schemeClr val="accent1"/>
+          </a:effectRef>
+          <a:fontRef idx="minor">
+            <a:schemeClr val="lt1"/>
+          </a:fontRef>
+        </p:style>
+        <p:txBody>
+          <a:bodyPr rtlCol="0" anchor="ctr"/>
+          <a:lstStyle/>
+          <a:p>
+            <a:pPr algn="ctr"/>
+            <a:r>
+              <a:rPr lang="en-AU" sz="1050" dirty="0">
+                <a:solidFill>
+                  <a:schemeClr val="bg1"/>
+                </a:solidFill>
+                <a:latin typeface="Verdana" panose="020B0604030504040204" pitchFamily="34" charset="0"/>
+                <a:ea typeface="Verdana" panose="020B0604030504040204" pitchFamily="34" charset="0"/>
+                <a:cs typeface="Tahoma" panose="020B0604030504040204" pitchFamily="34" charset="0"/>
+              </a:rPr>
+              <a:t>3</a:t>
+            </a:r>
+          </a:p>
+        </p:txBody>
+      </p:sp>
+      <p:sp>
+        <p:nvSpPr>
+          <p:cNvPr id="18" name="Rectangle 17">
+            <a:extLst>
+              <a:ext uri="{FF2B5EF4-FFF2-40B4-BE49-F238E27FC236}">
+                <a16:creationId xmlns:a16="http://schemas.microsoft.com/office/drawing/2014/main" id="{22867C66-D97A-403D-BF61-812C7D2A0443}"/>
+              </a:ext>
+            </a:extLst>
+          </p:cNvPr>
+          <p:cNvSpPr/>
+          <p:nvPr/>
+        </p:nvSpPr>
+        <p:spPr>
+          <a:xfrm>
+            <a:off x="2402637" y="1740181"/>
+            <a:ext cx="1588551" cy="1688817"/>
+          </a:xfrm>
+          <a:prstGeom prst="rect">
+            <a:avLst/>
+          </a:prstGeom>
+          <a:solidFill>
+            <a:schemeClr val="accent5">
+              <a:lumMod val="40000"/>
+              <a:lumOff val="60000"/>
+            </a:schemeClr>
+          </a:solidFill>
+        </p:spPr>
+        <p:style>
+          <a:lnRef idx="2">
+            <a:schemeClr val="accent1">
+              <a:shade val="50000"/>
+            </a:schemeClr>
+          </a:lnRef>
+          <a:fillRef idx="1">
+            <a:schemeClr val="accent1"/>
+          </a:fillRef>
+          <a:effectRef idx="0">
+            <a:schemeClr val="accent1"/>
+          </a:effectRef>
+          <a:fontRef idx="minor">
+            <a:schemeClr val="lt1"/>
+          </a:fontRef>
+        </p:style>
+        <p:txBody>
+          <a:bodyPr rtlCol="0" anchor="t"/>
+          <a:lstStyle/>
+          <a:p>
+            <a:pPr algn="ctr"/>
+            <a:r>
+              <a:rPr lang="en-AU" sz="1100" dirty="0">
+                <a:solidFill>
+                  <a:schemeClr val="tx1"/>
+                </a:solidFill>
+                <a:latin typeface="Verdana" panose="020B0604030504040204" pitchFamily="34" charset="0"/>
+                <a:ea typeface="Verdana" panose="020B0604030504040204" pitchFamily="34" charset="0"/>
+                <a:cs typeface="Tahoma" panose="020B0604030504040204" pitchFamily="34" charset="0"/>
+              </a:rPr>
+              <a:t>Azure IoT Central Properties </a:t>
+            </a:r>
+          </a:p>
+          <a:p>
+            <a:pPr algn="ctr"/>
+            <a:r>
+              <a:rPr lang="en-AU" sz="1100" dirty="0">
+                <a:solidFill>
+                  <a:schemeClr val="tx1"/>
+                </a:solidFill>
+                <a:latin typeface="Verdana" panose="020B0604030504040204" pitchFamily="34" charset="0"/>
+                <a:ea typeface="Verdana" panose="020B0604030504040204" pitchFamily="34" charset="0"/>
+                <a:cs typeface="Tahoma" panose="020B0604030504040204" pitchFamily="34" charset="0"/>
+              </a:rPr>
+              <a:t>(Device Twins)</a:t>
+            </a:r>
+          </a:p>
+        </p:txBody>
+      </p:sp>
+      <p:sp>
+        <p:nvSpPr>
+          <p:cNvPr id="20" name="Oval 19">
+            <a:extLst>
+              <a:ext uri="{FF2B5EF4-FFF2-40B4-BE49-F238E27FC236}">
+                <a16:creationId xmlns:a16="http://schemas.microsoft.com/office/drawing/2014/main" id="{483D496E-2F56-4292-90FE-EFDF06F3CA94}"/>
+              </a:ext>
+            </a:extLst>
+          </p:cNvPr>
+          <p:cNvSpPr/>
+          <p:nvPr/>
+        </p:nvSpPr>
+        <p:spPr>
+          <a:xfrm>
+            <a:off x="1680869" y="1491530"/>
+            <a:ext cx="256674" cy="248652"/>
+          </a:xfrm>
+          <a:prstGeom prst="ellipse">
+            <a:avLst/>
+          </a:prstGeom>
+          <a:solidFill>
+            <a:schemeClr val="accent5">
+              <a:lumMod val="75000"/>
+            </a:schemeClr>
+          </a:solidFill>
+        </p:spPr>
+        <p:style>
+          <a:lnRef idx="2">
+            <a:schemeClr val="accent1">
+              <a:shade val="50000"/>
+            </a:schemeClr>
+          </a:lnRef>
+          <a:fillRef idx="1">
+            <a:schemeClr val="accent1"/>
+          </a:fillRef>
+          <a:effectRef idx="0">
+            <a:schemeClr val="accent1"/>
+          </a:effectRef>
+          <a:fontRef idx="minor">
+            <a:schemeClr val="lt1"/>
+          </a:fontRef>
+        </p:style>
+        <p:txBody>
+          <a:bodyPr rtlCol="0" anchor="ctr"/>
+          <a:lstStyle/>
+          <a:p>
+            <a:pPr algn="ctr"/>
+            <a:r>
+              <a:rPr lang="en-AU" sz="1050" dirty="0">
+                <a:solidFill>
+                  <a:schemeClr val="bg1"/>
+                </a:solidFill>
+                <a:latin typeface="Verdana" panose="020B0604030504040204" pitchFamily="34" charset="0"/>
+                <a:ea typeface="Verdana" panose="020B0604030504040204" pitchFamily="34" charset="0"/>
+                <a:cs typeface="Tahoma" panose="020B0604030504040204" pitchFamily="34" charset="0"/>
+              </a:rPr>
+              <a:t>2</a:t>
+            </a:r>
+          </a:p>
+        </p:txBody>
+      </p:sp>
+      <p:sp>
+        <p:nvSpPr>
+          <p:cNvPr id="28" name="Rectangle 27">
+            <a:extLst>
+              <a:ext uri="{FF2B5EF4-FFF2-40B4-BE49-F238E27FC236}">
+                <a16:creationId xmlns:a16="http://schemas.microsoft.com/office/drawing/2014/main" id="{82682FDA-653E-4F05-A88B-E388E7E2F4BD}"/>
+              </a:ext>
+            </a:extLst>
+          </p:cNvPr>
+          <p:cNvSpPr/>
+          <p:nvPr/>
+        </p:nvSpPr>
+        <p:spPr>
+          <a:xfrm>
+            <a:off x="4558351" y="2590425"/>
+            <a:ext cx="1504799" cy="458311"/>
+          </a:xfrm>
+          <a:prstGeom prst="rect">
+            <a:avLst/>
+          </a:prstGeom>
+          <a:solidFill>
+            <a:schemeClr val="accent6">
+              <a:lumMod val="60000"/>
+              <a:lumOff val="40000"/>
+            </a:schemeClr>
+          </a:solidFill>
+        </p:spPr>
+        <p:style>
+          <a:lnRef idx="2">
+            <a:schemeClr val="accent1">
+              <a:shade val="50000"/>
+            </a:schemeClr>
+          </a:lnRef>
+          <a:fillRef idx="1">
+            <a:schemeClr val="accent1"/>
+          </a:fillRef>
+          <a:effectRef idx="0">
+            <a:schemeClr val="accent1"/>
+          </a:effectRef>
+          <a:fontRef idx="minor">
+            <a:schemeClr val="lt1"/>
+          </a:fontRef>
+        </p:style>
+        <p:txBody>
+          <a:bodyPr rtlCol="0" anchor="ctr"/>
+          <a:lstStyle/>
+          <a:p>
+            <a:pPr algn="ctr"/>
+            <a:r>
+              <a:rPr lang="en-AU" sz="1050" dirty="0">
+                <a:solidFill>
+                  <a:schemeClr val="tx1"/>
+                </a:solidFill>
+                <a:latin typeface="Verdana" panose="020B0604030504040204" pitchFamily="34" charset="0"/>
+                <a:ea typeface="Verdana" panose="020B0604030504040204" pitchFamily="34" charset="0"/>
+                <a:cs typeface="Tahoma" panose="020B0604030504040204" pitchFamily="34" charset="0"/>
+              </a:rPr>
+              <a:t>Get twin or query</a:t>
+            </a:r>
+          </a:p>
+        </p:txBody>
+      </p:sp>
+      <p:sp>
+        <p:nvSpPr>
+          <p:cNvPr id="9" name="Oval 8">
+            <a:extLst>
+              <a:ext uri="{FF2B5EF4-FFF2-40B4-BE49-F238E27FC236}">
+                <a16:creationId xmlns:a16="http://schemas.microsoft.com/office/drawing/2014/main" id="{882CB9C6-05FB-4C1D-8896-4055D36B7CAF}"/>
+              </a:ext>
+            </a:extLst>
+          </p:cNvPr>
+          <p:cNvSpPr/>
+          <p:nvPr/>
+        </p:nvSpPr>
+        <p:spPr>
+          <a:xfrm>
+            <a:off x="5934813" y="2912942"/>
+            <a:ext cx="256674" cy="248652"/>
+          </a:xfrm>
+          <a:prstGeom prst="ellipse">
+            <a:avLst/>
+          </a:prstGeom>
+          <a:solidFill>
+            <a:schemeClr val="accent5">
+              <a:lumMod val="75000"/>
+            </a:schemeClr>
+          </a:solidFill>
+        </p:spPr>
+        <p:style>
+          <a:lnRef idx="2">
+            <a:schemeClr val="accent1">
+              <a:shade val="50000"/>
+            </a:schemeClr>
+          </a:lnRef>
+          <a:fillRef idx="1">
+            <a:schemeClr val="accent1"/>
+          </a:fillRef>
+          <a:effectRef idx="0">
+            <a:schemeClr val="accent1"/>
+          </a:effectRef>
+          <a:fontRef idx="minor">
+            <a:schemeClr val="lt1"/>
+          </a:fontRef>
+        </p:style>
+        <p:txBody>
+          <a:bodyPr rtlCol="0" anchor="ctr"/>
+          <a:lstStyle/>
+          <a:p>
+            <a:pPr algn="ctr"/>
+            <a:r>
+              <a:rPr lang="en-AU" sz="1050" dirty="0">
+                <a:solidFill>
+                  <a:schemeClr val="bg1"/>
+                </a:solidFill>
+                <a:latin typeface="Verdana" panose="020B0604030504040204" pitchFamily="34" charset="0"/>
+                <a:ea typeface="Verdana" panose="020B0604030504040204" pitchFamily="34" charset="0"/>
+                <a:cs typeface="Tahoma" panose="020B0604030504040204" pitchFamily="34" charset="0"/>
+              </a:rPr>
+              <a:t>5</a:t>
+            </a:r>
+          </a:p>
+        </p:txBody>
+      </p:sp>
+      <p:sp>
+        <p:nvSpPr>
+          <p:cNvPr id="32" name="Rectangle 31">
+            <a:extLst>
+              <a:ext uri="{FF2B5EF4-FFF2-40B4-BE49-F238E27FC236}">
+                <a16:creationId xmlns:a16="http://schemas.microsoft.com/office/drawing/2014/main" id="{03F0B5D2-6D50-4E07-AA95-4B6435B561F7}"/>
+              </a:ext>
+            </a:extLst>
+          </p:cNvPr>
+          <p:cNvSpPr/>
+          <p:nvPr/>
+        </p:nvSpPr>
+        <p:spPr>
+          <a:xfrm>
+            <a:off x="2548207" y="2399717"/>
+            <a:ext cx="1295349" cy="830176"/>
+          </a:xfrm>
+          <a:prstGeom prst="rect">
+            <a:avLst/>
+          </a:prstGeom>
+          <a:solidFill>
+            <a:schemeClr val="accent5">
+              <a:lumMod val="50000"/>
+            </a:schemeClr>
+          </a:solidFill>
+        </p:spPr>
+        <p:style>
+          <a:lnRef idx="2">
+            <a:schemeClr val="accent1">
+              <a:shade val="50000"/>
+            </a:schemeClr>
+          </a:lnRef>
+          <a:fillRef idx="1">
+            <a:schemeClr val="accent1"/>
+          </a:fillRef>
+          <a:effectRef idx="0">
+            <a:schemeClr val="accent1"/>
+          </a:effectRef>
+          <a:fontRef idx="minor">
+            <a:schemeClr val="lt1"/>
+          </a:fontRef>
+        </p:style>
+        <p:txBody>
+          <a:bodyPr rtlCol="0" anchor="t"/>
+          <a:lstStyle/>
+          <a:p>
+            <a:pPr algn="ctr"/>
+            <a:r>
+              <a:rPr lang="en-AU" sz="800" dirty="0" err="1">
+                <a:solidFill>
+                  <a:schemeClr val="bg1"/>
+                </a:solidFill>
+                <a:latin typeface="Verdana" panose="020B0604030504040204" pitchFamily="34" charset="0"/>
+                <a:ea typeface="Verdana" panose="020B0604030504040204" pitchFamily="34" charset="0"/>
+                <a:cs typeface="Tahoma" panose="020B0604030504040204" pitchFamily="34" charset="0"/>
+              </a:rPr>
+              <a:t>Properties.Reported</a:t>
+            </a:r>
+            <a:endParaRPr lang="en-AU" sz="800" dirty="0">
+              <a:solidFill>
+                <a:schemeClr val="bg1"/>
+              </a:solidFill>
+              <a:latin typeface="Verdana" panose="020B0604030504040204" pitchFamily="34" charset="0"/>
+              <a:ea typeface="Verdana" panose="020B0604030504040204" pitchFamily="34" charset="0"/>
+              <a:cs typeface="Tahoma" panose="020B0604030504040204" pitchFamily="34" charset="0"/>
+            </a:endParaRPr>
+          </a:p>
+        </p:txBody>
+      </p:sp>
+      <p:sp>
+        <p:nvSpPr>
+          <p:cNvPr id="33" name="TextBox 32">
+            <a:extLst>
+              <a:ext uri="{FF2B5EF4-FFF2-40B4-BE49-F238E27FC236}">
+                <a16:creationId xmlns:a16="http://schemas.microsoft.com/office/drawing/2014/main" id="{4955F4CC-0389-48FF-ACF3-E11874C53C02}"/>
+              </a:ext>
+            </a:extLst>
+          </p:cNvPr>
+          <p:cNvSpPr txBox="1"/>
+          <p:nvPr/>
+        </p:nvSpPr>
+        <p:spPr>
+          <a:xfrm>
+            <a:off x="2737172" y="2691694"/>
+            <a:ext cx="937802" cy="246221"/>
+          </a:xfrm>
+          <a:prstGeom prst="rect">
+            <a:avLst/>
+          </a:prstGeom>
+          <a:solidFill>
+            <a:schemeClr val="accent5">
+              <a:lumMod val="75000"/>
+            </a:schemeClr>
+          </a:solidFill>
+        </p:spPr>
+        <p:txBody>
+          <a:bodyPr wrap="square" rtlCol="0">
+            <a:spAutoFit/>
+          </a:bodyPr>
+          <a:lstStyle/>
+          <a:p>
+            <a:pPr algn="ctr"/>
+            <a:r>
+              <a:rPr lang="en-AU" sz="1000" dirty="0">
+                <a:solidFill>
+                  <a:schemeClr val="bg1"/>
+                </a:solidFill>
+              </a:rPr>
+              <a:t>Data</a:t>
+            </a:r>
+          </a:p>
+        </p:txBody>
+      </p:sp>
+      <p:cxnSp>
+        <p:nvCxnSpPr>
+          <p:cNvPr id="40" name="Straight Arrow Connector 39">
+            <a:extLst>
+              <a:ext uri="{FF2B5EF4-FFF2-40B4-BE49-F238E27FC236}">
+                <a16:creationId xmlns:a16="http://schemas.microsoft.com/office/drawing/2014/main" id="{F0228D46-DA4F-439C-867D-25EA070E87BA}"/>
+              </a:ext>
+            </a:extLst>
+          </p:cNvPr>
+          <p:cNvCxnSpPr>
+            <a:cxnSpLocks/>
+            <a:endCxn id="33" idx="1"/>
+          </p:cNvCxnSpPr>
+          <p:nvPr/>
+        </p:nvCxnSpPr>
+        <p:spPr>
+          <a:xfrm flipV="1">
+            <a:off x="1616671" y="2814805"/>
+            <a:ext cx="1120501" cy="4776"/>
+          </a:xfrm>
+          <a:prstGeom prst="straightConnector1">
+            <a:avLst/>
+          </a:prstGeom>
+          <a:ln>
+            <a:tailEnd type="triangle"/>
+          </a:ln>
+        </p:spPr>
+        <p:style>
+          <a:lnRef idx="3">
+            <a:schemeClr val="accent1"/>
+          </a:lnRef>
+          <a:fillRef idx="0">
+            <a:schemeClr val="accent1"/>
+          </a:fillRef>
+          <a:effectRef idx="2">
+            <a:schemeClr val="accent1"/>
+          </a:effectRef>
+          <a:fontRef idx="minor">
+            <a:schemeClr val="tx1"/>
+          </a:fontRef>
+        </p:style>
+      </p:cxnSp>
+      <p:cxnSp>
+        <p:nvCxnSpPr>
+          <p:cNvPr id="42" name="Straight Arrow Connector 41">
+            <a:extLst>
+              <a:ext uri="{FF2B5EF4-FFF2-40B4-BE49-F238E27FC236}">
+                <a16:creationId xmlns:a16="http://schemas.microsoft.com/office/drawing/2014/main" id="{F56B1363-AE91-4D22-B83B-0302AAA3EF43}"/>
+              </a:ext>
+            </a:extLst>
+          </p:cNvPr>
+          <p:cNvCxnSpPr>
+            <a:cxnSpLocks/>
+            <a:stCxn id="28" idx="1"/>
+          </p:cNvCxnSpPr>
+          <p:nvPr/>
+        </p:nvCxnSpPr>
+        <p:spPr>
+          <a:xfrm flipH="1">
+            <a:off x="3674974" y="2819581"/>
+            <a:ext cx="883377" cy="0"/>
+          </a:xfrm>
+          <a:prstGeom prst="straightConnector1">
+            <a:avLst/>
+          </a:prstGeom>
+          <a:ln>
+            <a:tailEnd type="triangle"/>
+          </a:ln>
+        </p:spPr>
+        <p:style>
+          <a:lnRef idx="3">
+            <a:schemeClr val="accent1"/>
+          </a:lnRef>
+          <a:fillRef idx="0">
+            <a:schemeClr val="accent1"/>
+          </a:fillRef>
+          <a:effectRef idx="2">
+            <a:schemeClr val="accent1"/>
+          </a:effectRef>
+          <a:fontRef idx="minor">
+            <a:schemeClr val="tx1"/>
+          </a:fontRef>
+        </p:style>
+      </p:cxnSp>
+      <p:sp>
+        <p:nvSpPr>
+          <p:cNvPr id="34" name="Rectangle 33">
+            <a:extLst>
+              <a:ext uri="{FF2B5EF4-FFF2-40B4-BE49-F238E27FC236}">
+                <a16:creationId xmlns:a16="http://schemas.microsoft.com/office/drawing/2014/main" id="{C9B44903-007B-42D1-A978-B952363ED758}"/>
+              </a:ext>
+            </a:extLst>
+          </p:cNvPr>
+          <p:cNvSpPr/>
+          <p:nvPr/>
+        </p:nvSpPr>
+        <p:spPr>
+          <a:xfrm>
+            <a:off x="315258" y="2464016"/>
+            <a:ext cx="1504799" cy="701576"/>
+          </a:xfrm>
+          <a:prstGeom prst="rect">
+            <a:avLst/>
+          </a:prstGeom>
+          <a:solidFill>
+            <a:schemeClr val="accent6">
+              <a:lumMod val="60000"/>
+              <a:lumOff val="40000"/>
+            </a:schemeClr>
+          </a:solidFill>
+        </p:spPr>
+        <p:style>
+          <a:lnRef idx="2">
+            <a:schemeClr val="accent1">
+              <a:shade val="50000"/>
+            </a:schemeClr>
+          </a:lnRef>
+          <a:fillRef idx="1">
+            <a:schemeClr val="accent1"/>
+          </a:fillRef>
+          <a:effectRef idx="0">
+            <a:schemeClr val="accent1"/>
+          </a:effectRef>
+          <a:fontRef idx="minor">
+            <a:schemeClr val="lt1"/>
+          </a:fontRef>
+        </p:style>
+        <p:txBody>
+          <a:bodyPr rtlCol="0" anchor="ctr"/>
+          <a:lstStyle/>
+          <a:p>
+            <a:pPr algn="ctr"/>
+            <a:r>
+              <a:rPr lang="en-AU" sz="1050" dirty="0">
+                <a:solidFill>
+                  <a:schemeClr val="tx1"/>
+                </a:solidFill>
+                <a:latin typeface="Verdana" panose="020B0604030504040204" pitchFamily="34" charset="0"/>
+                <a:ea typeface="Verdana" panose="020B0604030504040204" pitchFamily="34" charset="0"/>
+                <a:cs typeface="Tahoma" panose="020B0604030504040204" pitchFamily="34" charset="0"/>
+              </a:rPr>
+              <a:t>Report Device Reset Time(UTC)</a:t>
+            </a:r>
+          </a:p>
+        </p:txBody>
+      </p:sp>
+      <p:sp>
+        <p:nvSpPr>
+          <p:cNvPr id="35" name="Rectangle 34">
+            <a:extLst>
+              <a:ext uri="{FF2B5EF4-FFF2-40B4-BE49-F238E27FC236}">
+                <a16:creationId xmlns:a16="http://schemas.microsoft.com/office/drawing/2014/main" id="{DB42D8C3-D7B5-4715-8B54-502BE5669A5C}"/>
+              </a:ext>
+            </a:extLst>
+          </p:cNvPr>
+          <p:cNvSpPr/>
+          <p:nvPr/>
+        </p:nvSpPr>
+        <p:spPr>
+          <a:xfrm>
+            <a:off x="304407" y="3428997"/>
+            <a:ext cx="1504799" cy="475115"/>
+          </a:xfrm>
+          <a:prstGeom prst="rect">
+            <a:avLst/>
+          </a:prstGeom>
+          <a:solidFill>
+            <a:schemeClr val="accent6">
+              <a:lumMod val="60000"/>
+              <a:lumOff val="40000"/>
+            </a:schemeClr>
+          </a:solidFill>
+        </p:spPr>
+        <p:style>
+          <a:lnRef idx="2">
+            <a:schemeClr val="accent1">
+              <a:shade val="50000"/>
+            </a:schemeClr>
+          </a:lnRef>
+          <a:fillRef idx="1">
+            <a:schemeClr val="accent1"/>
+          </a:fillRef>
+          <a:effectRef idx="0">
+            <a:schemeClr val="accent1"/>
+          </a:effectRef>
+          <a:fontRef idx="minor">
+            <a:schemeClr val="lt1"/>
+          </a:fontRef>
+        </p:style>
+        <p:txBody>
+          <a:bodyPr rtlCol="0" anchor="ctr"/>
+          <a:lstStyle/>
+          <a:p>
+            <a:pPr algn="ctr"/>
+            <a:r>
+              <a:rPr lang="en-AU" sz="1050" dirty="0">
+                <a:solidFill>
+                  <a:schemeClr val="tx1"/>
+                </a:solidFill>
+                <a:latin typeface="Verdana" panose="020B0604030504040204" pitchFamily="34" charset="0"/>
+                <a:ea typeface="Verdana" panose="020B0604030504040204" pitchFamily="34" charset="0"/>
+                <a:cs typeface="Tahoma" panose="020B0604030504040204" pitchFamily="34" charset="0"/>
+              </a:rPr>
+              <a:t>Device Reset and Connect</a:t>
+            </a:r>
+          </a:p>
+        </p:txBody>
+      </p:sp>
+      <p:sp>
+        <p:nvSpPr>
+          <p:cNvPr id="11" name="Oval 10">
+            <a:extLst>
+              <a:ext uri="{FF2B5EF4-FFF2-40B4-BE49-F238E27FC236}">
+                <a16:creationId xmlns:a16="http://schemas.microsoft.com/office/drawing/2014/main" id="{CC33E8AC-21B5-409D-A93C-C24F3CDED7F0}"/>
+              </a:ext>
+            </a:extLst>
+          </p:cNvPr>
+          <p:cNvSpPr/>
+          <p:nvPr/>
+        </p:nvSpPr>
+        <p:spPr>
+          <a:xfrm>
+            <a:off x="1675656" y="3037268"/>
+            <a:ext cx="256674" cy="248652"/>
+          </a:xfrm>
+          <a:prstGeom prst="ellipse">
+            <a:avLst/>
+          </a:prstGeom>
+          <a:solidFill>
+            <a:schemeClr val="accent5">
+              <a:lumMod val="75000"/>
+            </a:schemeClr>
+          </a:solidFill>
+        </p:spPr>
+        <p:style>
+          <a:lnRef idx="2">
+            <a:schemeClr val="accent1">
+              <a:shade val="50000"/>
+            </a:schemeClr>
+          </a:lnRef>
+          <a:fillRef idx="1">
+            <a:schemeClr val="accent1"/>
+          </a:fillRef>
+          <a:effectRef idx="0">
+            <a:schemeClr val="accent1"/>
+          </a:effectRef>
+          <a:fontRef idx="minor">
+            <a:schemeClr val="lt1"/>
+          </a:fontRef>
+        </p:style>
+        <p:txBody>
+          <a:bodyPr rtlCol="0" anchor="ctr"/>
+          <a:lstStyle/>
+          <a:p>
+            <a:pPr algn="ctr"/>
+            <a:r>
+              <a:rPr lang="en-AU" sz="1050" dirty="0">
+                <a:solidFill>
+                  <a:schemeClr val="bg1"/>
+                </a:solidFill>
+                <a:latin typeface="Verdana" panose="020B0604030504040204" pitchFamily="34" charset="0"/>
+                <a:ea typeface="Verdana" panose="020B0604030504040204" pitchFamily="34" charset="0"/>
+                <a:cs typeface="Tahoma" panose="020B0604030504040204" pitchFamily="34" charset="0"/>
+              </a:rPr>
+              <a:t>3</a:t>
+            </a:r>
+          </a:p>
+        </p:txBody>
+      </p:sp>
+      <p:cxnSp>
+        <p:nvCxnSpPr>
+          <p:cNvPr id="39" name="Straight Arrow Connector 38">
+            <a:extLst>
+              <a:ext uri="{FF2B5EF4-FFF2-40B4-BE49-F238E27FC236}">
+                <a16:creationId xmlns:a16="http://schemas.microsoft.com/office/drawing/2014/main" id="{4FE9FAB1-687A-403C-9447-86A2FBB30D7A}"/>
+              </a:ext>
+            </a:extLst>
+          </p:cNvPr>
+          <p:cNvCxnSpPr/>
+          <p:nvPr/>
+        </p:nvCxnSpPr>
+        <p:spPr>
+          <a:xfrm flipH="1">
+            <a:off x="1820057" y="1114926"/>
+            <a:ext cx="2738294" cy="0"/>
+          </a:xfrm>
+          <a:prstGeom prst="straightConnector1">
+            <a:avLst/>
+          </a:prstGeom>
+          <a:ln>
+            <a:tailEnd type="triangle"/>
+          </a:ln>
+        </p:spPr>
+        <p:style>
+          <a:lnRef idx="3">
+            <a:schemeClr val="accent1"/>
+          </a:lnRef>
+          <a:fillRef idx="0">
+            <a:schemeClr val="accent1"/>
+          </a:fillRef>
+          <a:effectRef idx="2">
+            <a:schemeClr val="accent1"/>
+          </a:effectRef>
+          <a:fontRef idx="minor">
+            <a:schemeClr val="tx1"/>
+          </a:fontRef>
+        </p:style>
+      </p:cxnSp>
+      <p:cxnSp>
+        <p:nvCxnSpPr>
+          <p:cNvPr id="44" name="Straight Arrow Connector 43">
+            <a:extLst>
+              <a:ext uri="{FF2B5EF4-FFF2-40B4-BE49-F238E27FC236}">
+                <a16:creationId xmlns:a16="http://schemas.microsoft.com/office/drawing/2014/main" id="{0BE7A0DA-62E6-41BD-8B60-E351A01E5073}"/>
+              </a:ext>
+            </a:extLst>
+          </p:cNvPr>
+          <p:cNvCxnSpPr/>
+          <p:nvPr/>
+        </p:nvCxnSpPr>
+        <p:spPr>
+          <a:xfrm>
+            <a:off x="1820057" y="1403684"/>
+            <a:ext cx="2738294" cy="0"/>
+          </a:xfrm>
+          <a:prstGeom prst="straightConnector1">
+            <a:avLst/>
+          </a:prstGeom>
+          <a:ln>
+            <a:tailEnd type="triangle"/>
+          </a:ln>
+        </p:spPr>
+        <p:style>
+          <a:lnRef idx="3">
+            <a:schemeClr val="accent1"/>
+          </a:lnRef>
+          <a:fillRef idx="0">
+            <a:schemeClr val="accent1"/>
+          </a:fillRef>
+          <a:effectRef idx="2">
+            <a:schemeClr val="accent1"/>
+          </a:effectRef>
+          <a:fontRef idx="minor">
+            <a:schemeClr val="tx1"/>
+          </a:fontRef>
+        </p:style>
+      </p:cxnSp>
+      <p:sp>
+        <p:nvSpPr>
+          <p:cNvPr id="45" name="TextBox 44">
+            <a:extLst>
+              <a:ext uri="{FF2B5EF4-FFF2-40B4-BE49-F238E27FC236}">
+                <a16:creationId xmlns:a16="http://schemas.microsoft.com/office/drawing/2014/main" id="{DB0CD4D5-438D-4BE2-AA39-F9C56F5D115E}"/>
+              </a:ext>
+            </a:extLst>
+          </p:cNvPr>
+          <p:cNvSpPr txBox="1"/>
+          <p:nvPr/>
+        </p:nvSpPr>
+        <p:spPr>
+          <a:xfrm>
+            <a:off x="1923329" y="2617680"/>
+            <a:ext cx="530915" cy="230832"/>
+          </a:xfrm>
+          <a:prstGeom prst="rect">
+            <a:avLst/>
+          </a:prstGeom>
+          <a:noFill/>
+        </p:spPr>
+        <p:txBody>
+          <a:bodyPr wrap="none" rtlCol="0">
+            <a:spAutoFit/>
+          </a:bodyPr>
+          <a:lstStyle/>
+          <a:p>
+            <a:r>
+              <a:rPr lang="en-AU" sz="900" dirty="0"/>
+              <a:t>Update</a:t>
+            </a:r>
+          </a:p>
+        </p:txBody>
+      </p:sp>
+      <p:sp>
+        <p:nvSpPr>
+          <p:cNvPr id="46" name="TextBox 45">
+            <a:extLst>
+              <a:ext uri="{FF2B5EF4-FFF2-40B4-BE49-F238E27FC236}">
+                <a16:creationId xmlns:a16="http://schemas.microsoft.com/office/drawing/2014/main" id="{80C67F20-40FF-4446-A812-C42A424DFAE4}"/>
+              </a:ext>
+            </a:extLst>
+          </p:cNvPr>
+          <p:cNvSpPr txBox="1"/>
+          <p:nvPr/>
+        </p:nvSpPr>
+        <p:spPr>
+          <a:xfrm>
+            <a:off x="3937519" y="2598267"/>
+            <a:ext cx="473206" cy="230832"/>
+          </a:xfrm>
+          <a:prstGeom prst="rect">
+            <a:avLst/>
+          </a:prstGeom>
+          <a:noFill/>
+        </p:spPr>
+        <p:txBody>
+          <a:bodyPr wrap="none" rtlCol="0">
+            <a:spAutoFit/>
+          </a:bodyPr>
+          <a:lstStyle/>
+          <a:p>
+            <a:r>
+              <a:rPr lang="en-AU" sz="900" dirty="0"/>
+              <a:t>Query</a:t>
+            </a:r>
+          </a:p>
+        </p:txBody>
+      </p:sp>
+      <p:sp>
+        <p:nvSpPr>
+          <p:cNvPr id="48" name="Oval 47">
+            <a:extLst>
+              <a:ext uri="{FF2B5EF4-FFF2-40B4-BE49-F238E27FC236}">
+                <a16:creationId xmlns:a16="http://schemas.microsoft.com/office/drawing/2014/main" id="{421BA26B-1A39-4FA6-A020-D414AA5C1D8A}"/>
+              </a:ext>
+            </a:extLst>
+          </p:cNvPr>
+          <p:cNvSpPr/>
+          <p:nvPr/>
+        </p:nvSpPr>
+        <p:spPr>
+          <a:xfrm>
+            <a:off x="1652822" y="3778935"/>
+            <a:ext cx="256674" cy="248652"/>
+          </a:xfrm>
+          <a:prstGeom prst="ellipse">
+            <a:avLst/>
+          </a:prstGeom>
+          <a:solidFill>
+            <a:schemeClr val="accent5">
+              <a:lumMod val="75000"/>
+            </a:schemeClr>
+          </a:solidFill>
+        </p:spPr>
+        <p:style>
+          <a:lnRef idx="2">
+            <a:schemeClr val="accent1">
+              <a:shade val="50000"/>
+            </a:schemeClr>
+          </a:lnRef>
+          <a:fillRef idx="1">
+            <a:schemeClr val="accent1"/>
+          </a:fillRef>
+          <a:effectRef idx="0">
+            <a:schemeClr val="accent1"/>
+          </a:effectRef>
+          <a:fontRef idx="minor">
+            <a:schemeClr val="lt1"/>
+          </a:fontRef>
+        </p:style>
+        <p:txBody>
+          <a:bodyPr rtlCol="0" anchor="ctr"/>
+          <a:lstStyle/>
+          <a:p>
+            <a:pPr algn="ctr"/>
+            <a:r>
+              <a:rPr lang="en-AU" sz="1050" dirty="0">
+                <a:solidFill>
+                  <a:schemeClr val="bg1"/>
+                </a:solidFill>
+                <a:latin typeface="Verdana" panose="020B0604030504040204" pitchFamily="34" charset="0"/>
+                <a:ea typeface="Verdana" panose="020B0604030504040204" pitchFamily="34" charset="0"/>
+                <a:cs typeface="Tahoma" panose="020B0604030504040204" pitchFamily="34" charset="0"/>
+              </a:rPr>
+              <a:t>4</a:t>
+            </a:r>
+          </a:p>
+        </p:txBody>
+      </p:sp>
+    </p:spTree>
+    <p:extLst>
+      <p:ext uri="{BB962C8B-B14F-4D97-AF65-F5344CB8AC3E}">
+        <p14:creationId xmlns:p14="http://schemas.microsoft.com/office/powerpoint/2010/main" val="690476071"/>
+      </p:ext>
+    </p:extLst>
+  </p:cSld>
+  <p:clrMapOvr>
+    <a:masterClrMapping/>
+  </p:clrMapOvr>
+</p:sld>
+</file>
+
 <file path=ppt/theme/theme1.xml><?xml version="1.0" encoding="utf-8"?>
 <a:theme xmlns:a="http://schemas.openxmlformats.org/drawingml/2006/main" name="Office Theme">
   <a:themeElements>

--- a/zdocs/Lab_3_Control_Device_with_Device_Twins_and_Direct_Methods/resources/azure-direct-method-pattern.pptx
+++ b/zdocs/Lab_3_Control_Device_with_Device_Twins_and_Direct_Methods/resources/azure-direct-method-pattern.pptx
@@ -263,7 +263,7 @@
           <a:p>
             <a:fld id="{0A27A1A5-647C-4A11-8C97-E079FF19BDE1}" type="datetimeFigureOut">
               <a:rPr lang="en-AU" smtClean="0"/>
-              <a:t>26/03/2020</a:t>
+              <a:t>27/03/2020</a:t>
             </a:fld>
             <a:endParaRPr lang="en-AU"/>
           </a:p>
@@ -463,7 +463,7 @@
           <a:p>
             <a:fld id="{0A27A1A5-647C-4A11-8C97-E079FF19BDE1}" type="datetimeFigureOut">
               <a:rPr lang="en-AU" smtClean="0"/>
-              <a:t>26/03/2020</a:t>
+              <a:t>27/03/2020</a:t>
             </a:fld>
             <a:endParaRPr lang="en-AU"/>
           </a:p>
@@ -673,7 +673,7 @@
           <a:p>
             <a:fld id="{0A27A1A5-647C-4A11-8C97-E079FF19BDE1}" type="datetimeFigureOut">
               <a:rPr lang="en-AU" smtClean="0"/>
-              <a:t>26/03/2020</a:t>
+              <a:t>27/03/2020</a:t>
             </a:fld>
             <a:endParaRPr lang="en-AU"/>
           </a:p>
@@ -873,7 +873,7 @@
           <a:p>
             <a:fld id="{0A27A1A5-647C-4A11-8C97-E079FF19BDE1}" type="datetimeFigureOut">
               <a:rPr lang="en-AU" smtClean="0"/>
-              <a:t>26/03/2020</a:t>
+              <a:t>27/03/2020</a:t>
             </a:fld>
             <a:endParaRPr lang="en-AU"/>
           </a:p>
@@ -1149,7 +1149,7 @@
           <a:p>
             <a:fld id="{0A27A1A5-647C-4A11-8C97-E079FF19BDE1}" type="datetimeFigureOut">
               <a:rPr lang="en-AU" smtClean="0"/>
-              <a:t>26/03/2020</a:t>
+              <a:t>27/03/2020</a:t>
             </a:fld>
             <a:endParaRPr lang="en-AU"/>
           </a:p>
@@ -1417,7 +1417,7 @@
           <a:p>
             <a:fld id="{0A27A1A5-647C-4A11-8C97-E079FF19BDE1}" type="datetimeFigureOut">
               <a:rPr lang="en-AU" smtClean="0"/>
-              <a:t>26/03/2020</a:t>
+              <a:t>27/03/2020</a:t>
             </a:fld>
             <a:endParaRPr lang="en-AU"/>
           </a:p>
@@ -1832,7 +1832,7 @@
           <a:p>
             <a:fld id="{0A27A1A5-647C-4A11-8C97-E079FF19BDE1}" type="datetimeFigureOut">
               <a:rPr lang="en-AU" smtClean="0"/>
-              <a:t>26/03/2020</a:t>
+              <a:t>27/03/2020</a:t>
             </a:fld>
             <a:endParaRPr lang="en-AU"/>
           </a:p>
@@ -1974,7 +1974,7 @@
           <a:p>
             <a:fld id="{0A27A1A5-647C-4A11-8C97-E079FF19BDE1}" type="datetimeFigureOut">
               <a:rPr lang="en-AU" smtClean="0"/>
-              <a:t>26/03/2020</a:t>
+              <a:t>27/03/2020</a:t>
             </a:fld>
             <a:endParaRPr lang="en-AU"/>
           </a:p>
@@ -2087,7 +2087,7 @@
           <a:p>
             <a:fld id="{0A27A1A5-647C-4A11-8C97-E079FF19BDE1}" type="datetimeFigureOut">
               <a:rPr lang="en-AU" smtClean="0"/>
-              <a:t>26/03/2020</a:t>
+              <a:t>27/03/2020</a:t>
             </a:fld>
             <a:endParaRPr lang="en-AU"/>
           </a:p>
@@ -2400,7 +2400,7 @@
           <a:p>
             <a:fld id="{0A27A1A5-647C-4A11-8C97-E079FF19BDE1}" type="datetimeFigureOut">
               <a:rPr lang="en-AU" smtClean="0"/>
-              <a:t>26/03/2020</a:t>
+              <a:t>27/03/2020</a:t>
             </a:fld>
             <a:endParaRPr lang="en-AU"/>
           </a:p>
@@ -2689,7 +2689,7 @@
           <a:p>
             <a:fld id="{0A27A1A5-647C-4A11-8C97-E079FF19BDE1}" type="datetimeFigureOut">
               <a:rPr lang="en-AU" smtClean="0"/>
-              <a:t>26/03/2020</a:t>
+              <a:t>27/03/2020</a:t>
             </a:fld>
             <a:endParaRPr lang="en-AU"/>
           </a:p>
@@ -2932,7 +2932,7 @@
           <a:p>
             <a:fld id="{0A27A1A5-647C-4A11-8C97-E079FF19BDE1}" type="datetimeFigureOut">
               <a:rPr lang="en-AU" smtClean="0"/>
-              <a:t>26/03/2020</a:t>
+              <a:t>27/03/2020</a:t>
             </a:fld>
             <a:endParaRPr lang="en-AU"/>
           </a:p>
@@ -6216,7 +6216,7 @@
                 <a:ea typeface="Verdana" panose="020B0604030504040204" pitchFamily="34" charset="0"/>
                 <a:cs typeface="Tahoma" panose="020B0604030504040204" pitchFamily="34" charset="0"/>
               </a:rPr>
-              <a:t>5</a:t>
+              <a:t>6</a:t>
             </a:r>
           </a:p>
         </p:txBody>
@@ -6766,6 +6766,67 @@
         <p:spPr>
           <a:xfrm>
             <a:off x="1652822" y="3778935"/>
+            <a:ext cx="256674" cy="248652"/>
+          </a:xfrm>
+          <a:prstGeom prst="ellipse">
+            <a:avLst/>
+          </a:prstGeom>
+          <a:solidFill>
+            <a:schemeClr val="accent5">
+              <a:lumMod val="75000"/>
+            </a:schemeClr>
+          </a:solidFill>
+        </p:spPr>
+        <p:style>
+          <a:lnRef idx="2">
+            <a:schemeClr val="accent1">
+              <a:shade val="50000"/>
+            </a:schemeClr>
+          </a:lnRef>
+          <a:fillRef idx="1">
+            <a:schemeClr val="accent1"/>
+          </a:fillRef>
+          <a:effectRef idx="0">
+            <a:schemeClr val="accent1"/>
+          </a:effectRef>
+          <a:fontRef idx="minor">
+            <a:schemeClr val="lt1"/>
+          </a:fontRef>
+        </p:style>
+        <p:txBody>
+          <a:bodyPr rtlCol="0" anchor="ctr"/>
+          <a:lstStyle/>
+          <a:p>
+            <a:pPr algn="ctr"/>
+            <a:r>
+              <a:rPr lang="en-AU" sz="1050" dirty="0">
+                <a:solidFill>
+                  <a:schemeClr val="bg1"/>
+                </a:solidFill>
+                <a:latin typeface="Verdana" panose="020B0604030504040204" pitchFamily="34" charset="0"/>
+                <a:ea typeface="Verdana" panose="020B0604030504040204" pitchFamily="34" charset="0"/>
+                <a:cs typeface="Tahoma" panose="020B0604030504040204" pitchFamily="34" charset="0"/>
+              </a:rPr>
+              <a:t>5</a:t>
+            </a:r>
+          </a:p>
+        </p:txBody>
+      </p:sp>
+      <p:sp>
+        <p:nvSpPr>
+          <p:cNvPr id="24" name="Oval 23">
+            <a:extLst>
+              <a:ext uri="{FF2B5EF4-FFF2-40B4-BE49-F238E27FC236}">
+                <a16:creationId xmlns:a16="http://schemas.microsoft.com/office/drawing/2014/main" id="{580927B3-D2EF-4F3E-8D23-6138A5745C02}"/>
+              </a:ext>
+            </a:extLst>
+          </p:cNvPr>
+          <p:cNvSpPr/>
+          <p:nvPr/>
+        </p:nvSpPr>
+        <p:spPr>
+          <a:xfrm>
+            <a:off x="4446385" y="1520725"/>
             <a:ext cx="256674" cy="248652"/>
           </a:xfrm>
           <a:prstGeom prst="ellipse">
